--- a/Intro-SQL-SheCodesNow.pptx
+++ b/Intro-SQL-SheCodesNow.pptx
@@ -5,7 +5,7 @@
     <p:sldMasterId id="2147483720" r:id="rId1"/>
   </p:sldMasterIdLst>
   <p:notesMasterIdLst>
-    <p:notesMasterId r:id="rId32"/>
+    <p:notesMasterId r:id="rId31"/>
   </p:notesMasterIdLst>
   <p:sldIdLst>
     <p:sldId id="258" r:id="rId2"/>
@@ -35,9 +35,8 @@
     <p:sldId id="294" r:id="rId26"/>
     <p:sldId id="262" r:id="rId27"/>
     <p:sldId id="263" r:id="rId28"/>
-    <p:sldId id="291" r:id="rId29"/>
-    <p:sldId id="285" r:id="rId30"/>
-    <p:sldId id="268" r:id="rId31"/>
+    <p:sldId id="285" r:id="rId29"/>
+    <p:sldId id="268" r:id="rId30"/>
   </p:sldIdLst>
   <p:sldSz cx="12192000" cy="6858000"/>
   <p:notesSz cx="6858000" cy="9144000"/>
@@ -3182,6 +3181,163 @@
           <a:bodyPr/>
           <a:lstStyle/>
           <a:p>
+            <a:r>
+              <a:rPr lang="en-US" dirty="0" smtClean="0"/>
+              <a:t>SQL for Dummies Link - https://</a:t>
+            </a:r>
+            <a:r>
+              <a:rPr lang="en-US" dirty="0" err="1" smtClean="0"/>
+              <a:t>www.amazon.com</a:t>
+            </a:r>
+            <a:r>
+              <a:rPr lang="en-US" dirty="0" smtClean="0"/>
+              <a:t>/All-One-Dummies-Allen-Taylor/</a:t>
+            </a:r>
+            <a:r>
+              <a:rPr lang="en-US" dirty="0" err="1" smtClean="0"/>
+              <a:t>dp</a:t>
+            </a:r>
+            <a:r>
+              <a:rPr lang="en-US" dirty="0" smtClean="0"/>
+              <a:t>/0470929960/ref=sr_1_1?s=</a:t>
+            </a:r>
+            <a:r>
+              <a:rPr lang="en-US" dirty="0" err="1" smtClean="0"/>
+              <a:t>books&amp;ie</a:t>
+            </a:r>
+            <a:r>
+              <a:rPr lang="en-US" dirty="0" smtClean="0"/>
+              <a:t>=UTF8&amp;qid=1487113294&amp;sr=1-1&amp;keywords=</a:t>
+            </a:r>
+            <a:r>
+              <a:rPr lang="en-US" dirty="0" err="1" smtClean="0"/>
+              <a:t>SQL+for+Dummies</a:t>
+            </a:r>
+            <a:endParaRPr lang="en-US" dirty="0" smtClean="0"/>
+          </a:p>
+          <a:p>
+            <a:endParaRPr lang="en-US" dirty="0" smtClean="0"/>
+          </a:p>
+          <a:p>
+            <a:r>
+              <a:rPr lang="en-US" dirty="0" err="1" smtClean="0"/>
+              <a:t>Oreily</a:t>
+            </a:r>
+            <a:r>
+              <a:rPr lang="en-US" dirty="0" smtClean="0"/>
+              <a:t> – Learning SQL - https://</a:t>
+            </a:r>
+            <a:r>
+              <a:rPr lang="en-US" dirty="0" err="1" smtClean="0"/>
+              <a:t>www.amazon.com</a:t>
+            </a:r>
+            <a:r>
+              <a:rPr lang="en-US" dirty="0" smtClean="0"/>
+              <a:t>/Learning-SQL-Master-Fundamentals/</a:t>
+            </a:r>
+            <a:r>
+              <a:rPr lang="en-US" dirty="0" err="1" smtClean="0"/>
+              <a:t>dp</a:t>
+            </a:r>
+            <a:r>
+              <a:rPr lang="en-US" dirty="0" smtClean="0"/>
+              <a:t>/0596520832/ref=sr_1_1?s=</a:t>
+            </a:r>
+            <a:r>
+              <a:rPr lang="en-US" dirty="0" err="1" smtClean="0"/>
+              <a:t>books&amp;ie</a:t>
+            </a:r>
+            <a:r>
+              <a:rPr lang="en-US" dirty="0" smtClean="0"/>
+              <a:t>=UTF8&amp;qid=1487113242&amp;sr=1-1&amp;keywords=</a:t>
+            </a:r>
+            <a:r>
+              <a:rPr lang="en-US" dirty="0" err="1" smtClean="0"/>
+              <a:t>oreilly+learning+sql</a:t>
+            </a:r>
+            <a:endParaRPr lang="en-US" dirty="0" smtClean="0"/>
+          </a:p>
+          <a:p>
+            <a:endParaRPr lang="en-US" dirty="0" smtClean="0"/>
+          </a:p>
+          <a:p>
+            <a:pPr marL="0" marR="0" lvl="1" indent="0" algn="l" defTabSz="914400" rtl="0" eaLnBrk="1" fontAlgn="auto" latinLnBrk="0" hangingPunct="1">
+              <a:lnSpc>
+                <a:spcPct val="100000"/>
+              </a:lnSpc>
+              <a:spcBef>
+                <a:spcPts val="0"/>
+              </a:spcBef>
+              <a:spcAft>
+                <a:spcPts val="0"/>
+              </a:spcAft>
+              <a:buClrTx/>
+              <a:buSzTx/>
+              <a:buFontTx/>
+              <a:buNone/>
+              <a:tabLst/>
+              <a:defRPr/>
+            </a:pPr>
+            <a:r>
+              <a:rPr lang="en-US" sz="2800" dirty="0" smtClean="0">
+                <a:solidFill>
+                  <a:schemeClr val="tx1"/>
+                </a:solidFill>
+              </a:rPr>
+              <a:t>SQL in 10 Minutes, </a:t>
+            </a:r>
+            <a:r>
+              <a:rPr lang="en-US" sz="2800" dirty="0" err="1" smtClean="0">
+                <a:solidFill>
+                  <a:schemeClr val="tx1"/>
+                </a:solidFill>
+              </a:rPr>
+              <a:t>Sams</a:t>
+            </a:r>
+            <a:r>
+              <a:rPr lang="en-US" sz="2800" dirty="0" smtClean="0">
+                <a:solidFill>
+                  <a:schemeClr val="tx1"/>
+                </a:solidFill>
+              </a:rPr>
+              <a:t> Teach Yourself</a:t>
+            </a:r>
+            <a:r>
+              <a:rPr lang="en-US" sz="2800" baseline="0" dirty="0" smtClean="0">
+                <a:solidFill>
+                  <a:schemeClr val="tx1"/>
+                </a:solidFill>
+              </a:rPr>
+              <a:t> - </a:t>
+            </a:r>
+            <a:r>
+              <a:rPr lang="en-US" dirty="0" smtClean="0"/>
+              <a:t>https://</a:t>
+            </a:r>
+            <a:r>
+              <a:rPr lang="en-US" dirty="0" err="1" smtClean="0"/>
+              <a:t>www.amazon.com</a:t>
+            </a:r>
+            <a:r>
+              <a:rPr lang="en-US" dirty="0" smtClean="0"/>
+              <a:t>/SQL-Minutes-</a:t>
+            </a:r>
+            <a:r>
+              <a:rPr lang="en-US" dirty="0" err="1" smtClean="0"/>
+              <a:t>Sams</a:t>
+            </a:r>
+            <a:r>
+              <a:rPr lang="en-US" dirty="0" smtClean="0"/>
+              <a:t>-Teach-Yourself/</a:t>
+            </a:r>
+            <a:r>
+              <a:rPr lang="en-US" dirty="0" err="1" smtClean="0"/>
+              <a:t>dp</a:t>
+            </a:r>
+            <a:r>
+              <a:rPr lang="en-US" dirty="0" smtClean="0"/>
+              <a:t>/0672336073</a:t>
+            </a:r>
             <a:endParaRPr lang="en-US" dirty="0"/>
           </a:p>
         </p:txBody>
@@ -3204,247 +3360,6 @@
             <a:fld id="{DA2246A1-C6D7-1F48-8EDA-8ADCE349AEC0}" type="slidenum">
               <a:rPr lang="en-US" smtClean="0"/>
               <a:t>28</a:t>
-            </a:fld>
-            <a:endParaRPr lang="en-US"/>
-          </a:p>
-        </p:txBody>
-      </p:sp>
-    </p:spTree>
-    <p:extLst>
-      <p:ext uri="{BB962C8B-B14F-4D97-AF65-F5344CB8AC3E}">
-        <p14:creationId xmlns:p14="http://schemas.microsoft.com/office/powerpoint/2010/main" val="2076910203"/>
-      </p:ext>
-    </p:extLst>
-  </p:cSld>
-  <p:clrMapOvr>
-    <a:masterClrMapping/>
-  </p:clrMapOvr>
-</p:notes>
-</file>
-
-<file path=ppt/notesSlides/notesSlide25.xml><?xml version="1.0" encoding="utf-8"?>
-<p:notes xmlns:a="http://schemas.openxmlformats.org/drawingml/2006/main" xmlns:r="http://schemas.openxmlformats.org/officeDocument/2006/relationships" xmlns:p="http://schemas.openxmlformats.org/presentationml/2006/main">
-  <p:cSld>
-    <p:spTree>
-      <p:nvGrpSpPr>
-        <p:cNvPr id="1" name=""/>
-        <p:cNvGrpSpPr/>
-        <p:nvPr/>
-      </p:nvGrpSpPr>
-      <p:grpSpPr>
-        <a:xfrm>
-          <a:off x="0" y="0"/>
-          <a:ext cx="0" cy="0"/>
-          <a:chOff x="0" y="0"/>
-          <a:chExt cx="0" cy="0"/>
-        </a:xfrm>
-      </p:grpSpPr>
-      <p:sp>
-        <p:nvSpPr>
-          <p:cNvPr id="2" name="Slide Image Placeholder 1"/>
-          <p:cNvSpPr>
-            <a:spLocks noGrp="1" noRot="1" noChangeAspect="1"/>
-          </p:cNvSpPr>
-          <p:nvPr>
-            <p:ph type="sldImg"/>
-          </p:nvPr>
-        </p:nvSpPr>
-        <p:spPr/>
-      </p:sp>
-      <p:sp>
-        <p:nvSpPr>
-          <p:cNvPr id="3" name="Notes Placeholder 2"/>
-          <p:cNvSpPr>
-            <a:spLocks noGrp="1"/>
-          </p:cNvSpPr>
-          <p:nvPr>
-            <p:ph type="body" idx="1"/>
-          </p:nvPr>
-        </p:nvSpPr>
-        <p:spPr/>
-        <p:txBody>
-          <a:bodyPr/>
-          <a:lstStyle/>
-          <a:p>
-            <a:r>
-              <a:rPr lang="en-US" dirty="0" smtClean="0"/>
-              <a:t>SQL for Dummies Link - https://</a:t>
-            </a:r>
-            <a:r>
-              <a:rPr lang="en-US" dirty="0" err="1" smtClean="0"/>
-              <a:t>www.amazon.com</a:t>
-            </a:r>
-            <a:r>
-              <a:rPr lang="en-US" dirty="0" smtClean="0"/>
-              <a:t>/All-One-Dummies-Allen-Taylor/</a:t>
-            </a:r>
-            <a:r>
-              <a:rPr lang="en-US" dirty="0" err="1" smtClean="0"/>
-              <a:t>dp</a:t>
-            </a:r>
-            <a:r>
-              <a:rPr lang="en-US" dirty="0" smtClean="0"/>
-              <a:t>/0470929960/ref=sr_1_1?s=</a:t>
-            </a:r>
-            <a:r>
-              <a:rPr lang="en-US" dirty="0" err="1" smtClean="0"/>
-              <a:t>books&amp;ie</a:t>
-            </a:r>
-            <a:r>
-              <a:rPr lang="en-US" dirty="0" smtClean="0"/>
-              <a:t>=UTF8&amp;qid=1487113294&amp;sr=1-1&amp;keywords=</a:t>
-            </a:r>
-            <a:r>
-              <a:rPr lang="en-US" dirty="0" err="1" smtClean="0"/>
-              <a:t>SQL+for+Dummies</a:t>
-            </a:r>
-            <a:endParaRPr lang="en-US" dirty="0" smtClean="0"/>
-          </a:p>
-          <a:p>
-            <a:endParaRPr lang="en-US" dirty="0" smtClean="0"/>
-          </a:p>
-          <a:p>
-            <a:r>
-              <a:rPr lang="en-US" dirty="0" err="1" smtClean="0"/>
-              <a:t>Oreily</a:t>
-            </a:r>
-            <a:r>
-              <a:rPr lang="en-US" dirty="0" smtClean="0"/>
-              <a:t> – Learning SQL - https://</a:t>
-            </a:r>
-            <a:r>
-              <a:rPr lang="en-US" dirty="0" err="1" smtClean="0"/>
-              <a:t>www.amazon.com</a:t>
-            </a:r>
-            <a:r>
-              <a:rPr lang="en-US" dirty="0" smtClean="0"/>
-              <a:t>/Learning-SQL-Master-Fundamentals/</a:t>
-            </a:r>
-            <a:r>
-              <a:rPr lang="en-US" dirty="0" err="1" smtClean="0"/>
-              <a:t>dp</a:t>
-            </a:r>
-            <a:r>
-              <a:rPr lang="en-US" dirty="0" smtClean="0"/>
-              <a:t>/0596520832/ref=sr_1_1?s=</a:t>
-            </a:r>
-            <a:r>
-              <a:rPr lang="en-US" dirty="0" err="1" smtClean="0"/>
-              <a:t>books&amp;ie</a:t>
-            </a:r>
-            <a:r>
-              <a:rPr lang="en-US" dirty="0" smtClean="0"/>
-              <a:t>=UTF8&amp;qid=1487113242&amp;sr=1-1&amp;keywords=</a:t>
-            </a:r>
-            <a:r>
-              <a:rPr lang="en-US" dirty="0" err="1" smtClean="0"/>
-              <a:t>oreilly+learning+sql</a:t>
-            </a:r>
-            <a:endParaRPr lang="en-US" dirty="0" smtClean="0"/>
-          </a:p>
-          <a:p>
-            <a:endParaRPr lang="en-US" dirty="0" smtClean="0"/>
-          </a:p>
-          <a:p>
-            <a:pPr marL="0" marR="0" lvl="1" indent="0" algn="l" defTabSz="914400" rtl="0" eaLnBrk="1" fontAlgn="auto" latinLnBrk="0" hangingPunct="1">
-              <a:lnSpc>
-                <a:spcPct val="100000"/>
-              </a:lnSpc>
-              <a:spcBef>
-                <a:spcPts val="0"/>
-              </a:spcBef>
-              <a:spcAft>
-                <a:spcPts val="0"/>
-              </a:spcAft>
-              <a:buClrTx/>
-              <a:buSzTx/>
-              <a:buFontTx/>
-              <a:buNone/>
-              <a:tabLst/>
-              <a:defRPr/>
-            </a:pPr>
-            <a:r>
-              <a:rPr lang="en-US" sz="2800" dirty="0" smtClean="0">
-                <a:solidFill>
-                  <a:schemeClr val="tx1"/>
-                </a:solidFill>
-              </a:rPr>
-              <a:t>SQL in 10 Minutes, </a:t>
-            </a:r>
-            <a:r>
-              <a:rPr lang="en-US" sz="2800" dirty="0" err="1" smtClean="0">
-                <a:solidFill>
-                  <a:schemeClr val="tx1"/>
-                </a:solidFill>
-              </a:rPr>
-              <a:t>Sams</a:t>
-            </a:r>
-            <a:r>
-              <a:rPr lang="en-US" sz="2800" dirty="0" smtClean="0">
-                <a:solidFill>
-                  <a:schemeClr val="tx1"/>
-                </a:solidFill>
-              </a:rPr>
-              <a:t> Teach Yourself</a:t>
-            </a:r>
-            <a:r>
-              <a:rPr lang="en-US" sz="2800" baseline="0" dirty="0" smtClean="0">
-                <a:solidFill>
-                  <a:schemeClr val="tx1"/>
-                </a:solidFill>
-              </a:rPr>
-              <a:t> - </a:t>
-            </a:r>
-            <a:r>
-              <a:rPr lang="en-US" dirty="0" smtClean="0"/>
-              <a:t>https://</a:t>
-            </a:r>
-            <a:r>
-              <a:rPr lang="en-US" dirty="0" err="1" smtClean="0"/>
-              <a:t>www.amazon.com</a:t>
-            </a:r>
-            <a:r>
-              <a:rPr lang="en-US" dirty="0" smtClean="0"/>
-              <a:t>/SQL-Minutes-</a:t>
-            </a:r>
-            <a:r>
-              <a:rPr lang="en-US" dirty="0" err="1" smtClean="0"/>
-              <a:t>Sams</a:t>
-            </a:r>
-            <a:r>
-              <a:rPr lang="en-US" dirty="0" smtClean="0"/>
-              <a:t>-Teach-Yourself/</a:t>
-            </a:r>
-            <a:r>
-              <a:rPr lang="en-US" dirty="0" err="1" smtClean="0"/>
-              <a:t>dp</a:t>
-            </a:r>
-            <a:r>
-              <a:rPr lang="en-US" dirty="0" smtClean="0"/>
-              <a:t>/0672336073</a:t>
-            </a:r>
-            <a:endParaRPr lang="en-US" dirty="0"/>
-          </a:p>
-        </p:txBody>
-      </p:sp>
-      <p:sp>
-        <p:nvSpPr>
-          <p:cNvPr id="4" name="Slide Number Placeholder 3"/>
-          <p:cNvSpPr>
-            <a:spLocks noGrp="1"/>
-          </p:cNvSpPr>
-          <p:nvPr>
-            <p:ph type="sldNum" sz="quarter" idx="10"/>
-          </p:nvPr>
-        </p:nvSpPr>
-        <p:spPr/>
-        <p:txBody>
-          <a:bodyPr/>
-          <a:lstStyle/>
-          <a:p>
-            <a:fld id="{DA2246A1-C6D7-1F48-8EDA-8ADCE349AEC0}" type="slidenum">
-              <a:rPr lang="en-US" smtClean="0"/>
-              <a:t>29</a:t>
             </a:fld>
             <a:endParaRPr lang="en-US"/>
           </a:p>
@@ -15730,272 +15645,6 @@
 </file>
 
 <file path=ppt/slides/slide28.xml><?xml version="1.0" encoding="utf-8"?>
-<p:sld xmlns:a="http://schemas.openxmlformats.org/drawingml/2006/main" xmlns:r="http://schemas.openxmlformats.org/officeDocument/2006/relationships" xmlns:p="http://schemas.openxmlformats.org/presentationml/2006/main" show="0">
-  <p:cSld>
-    <p:spTree>
-      <p:nvGrpSpPr>
-        <p:cNvPr id="1" name=""/>
-        <p:cNvGrpSpPr/>
-        <p:nvPr/>
-      </p:nvGrpSpPr>
-      <p:grpSpPr>
-        <a:xfrm>
-          <a:off x="0" y="0"/>
-          <a:ext cx="0" cy="0"/>
-          <a:chOff x="0" y="0"/>
-          <a:chExt cx="0" cy="0"/>
-        </a:xfrm>
-      </p:grpSpPr>
-      <p:sp>
-        <p:nvSpPr>
-          <p:cNvPr id="2" name="Title 1"/>
-          <p:cNvSpPr>
-            <a:spLocks noGrp="1"/>
-          </p:cNvSpPr>
-          <p:nvPr>
-            <p:ph type="title"/>
-          </p:nvPr>
-        </p:nvSpPr>
-        <p:spPr/>
-        <p:txBody>
-          <a:bodyPr/>
-          <a:lstStyle/>
-          <a:p>
-            <a:r>
-              <a:rPr lang="en-US" dirty="0" smtClean="0"/>
-              <a:t>Terminology cont.</a:t>
-            </a:r>
-            <a:endParaRPr lang="en-US" dirty="0"/>
-          </a:p>
-        </p:txBody>
-      </p:sp>
-      <p:graphicFrame>
-        <p:nvGraphicFramePr>
-          <p:cNvPr id="5" name="Table 4"/>
-          <p:cNvGraphicFramePr>
-            <a:graphicFrameLocks noGrp="1"/>
-          </p:cNvGraphicFramePr>
-          <p:nvPr>
-            <p:extLst>
-              <p:ext uri="{D42A27DB-BD31-4B8C-83A1-F6EECF244321}">
-                <p14:modId xmlns:p14="http://schemas.microsoft.com/office/powerpoint/2010/main" val="10915959"/>
-              </p:ext>
-            </p:extLst>
-          </p:nvPr>
-        </p:nvGraphicFramePr>
-        <p:xfrm>
-          <a:off x="1097280" y="1520513"/>
-          <a:ext cx="9950824" cy="2225040"/>
-        </p:xfrm>
-        <a:graphic>
-          <a:graphicData uri="http://schemas.openxmlformats.org/drawingml/2006/table">
-            <a:tbl>
-              <a:tblPr bandRow="1">
-                <a:tableStyleId>{F5AB1C69-6EDB-4FF4-983F-18BD219EF322}</a:tableStyleId>
-              </a:tblPr>
-              <a:tblGrid>
-                <a:gridCol w="1538344"/>
-                <a:gridCol w="8412480"/>
-              </a:tblGrid>
-              <a:tr h="370840">
-                <a:tc>
-                  <a:txBody>
-                    <a:bodyPr/>
-                    <a:lstStyle/>
-                    <a:p>
-                      <a:endParaRPr lang="en-US" dirty="0"/>
-                    </a:p>
-                  </a:txBody>
-                  <a:tcPr/>
-                </a:tc>
-                <a:tc>
-                  <a:txBody>
-                    <a:bodyPr/>
-                    <a:lstStyle/>
-                    <a:p>
-                      <a:endParaRPr lang="en-US" dirty="0"/>
-                    </a:p>
-                  </a:txBody>
-                  <a:tcPr/>
-                </a:tc>
-              </a:tr>
-              <a:tr h="370840">
-                <a:tc>
-                  <a:txBody>
-                    <a:bodyPr/>
-                    <a:lstStyle/>
-                    <a:p>
-                      <a:endParaRPr lang="en-US" dirty="0"/>
-                    </a:p>
-                  </a:txBody>
-                  <a:tcPr/>
-                </a:tc>
-                <a:tc>
-                  <a:txBody>
-                    <a:bodyPr/>
-                    <a:lstStyle/>
-                    <a:p>
-                      <a:pPr marL="0" marR="0" indent="0" algn="l" defTabSz="914400" rtl="0" eaLnBrk="1" fontAlgn="auto" latinLnBrk="0" hangingPunct="1">
-                        <a:lnSpc>
-                          <a:spcPct val="100000"/>
-                        </a:lnSpc>
-                        <a:spcBef>
-                          <a:spcPts val="0"/>
-                        </a:spcBef>
-                        <a:spcAft>
-                          <a:spcPts val="0"/>
-                        </a:spcAft>
-                        <a:buClrTx/>
-                        <a:buSzTx/>
-                        <a:buFontTx/>
-                        <a:buNone/>
-                        <a:tabLst/>
-                        <a:defRPr/>
-                      </a:pPr>
-                      <a:endParaRPr lang="en-US" dirty="0" smtClean="0"/>
-                    </a:p>
-                  </a:txBody>
-                  <a:tcPr/>
-                </a:tc>
-              </a:tr>
-              <a:tr h="370840">
-                <a:tc>
-                  <a:txBody>
-                    <a:bodyPr/>
-                    <a:lstStyle/>
-                    <a:p>
-                      <a:endParaRPr lang="en-US" dirty="0"/>
-                    </a:p>
-                  </a:txBody>
-                  <a:tcPr/>
-                </a:tc>
-                <a:tc>
-                  <a:txBody>
-                    <a:bodyPr/>
-                    <a:lstStyle/>
-                    <a:p>
-                      <a:pPr marL="0" marR="0" indent="0" algn="l" defTabSz="914400" rtl="0" eaLnBrk="1" fontAlgn="auto" latinLnBrk="0" hangingPunct="1">
-                        <a:lnSpc>
-                          <a:spcPct val="100000"/>
-                        </a:lnSpc>
-                        <a:spcBef>
-                          <a:spcPts val="0"/>
-                        </a:spcBef>
-                        <a:spcAft>
-                          <a:spcPts val="0"/>
-                        </a:spcAft>
-                        <a:buClrTx/>
-                        <a:buSzTx/>
-                        <a:buFontTx/>
-                        <a:buNone/>
-                        <a:tabLst/>
-                        <a:defRPr/>
-                      </a:pPr>
-                      <a:endParaRPr lang="en-US" dirty="0" smtClean="0"/>
-                    </a:p>
-                  </a:txBody>
-                  <a:tcPr/>
-                </a:tc>
-              </a:tr>
-              <a:tr h="370840">
-                <a:tc>
-                  <a:txBody>
-                    <a:bodyPr/>
-                    <a:lstStyle/>
-                    <a:p>
-                      <a:endParaRPr lang="en-US" dirty="0"/>
-                    </a:p>
-                  </a:txBody>
-                  <a:tcPr/>
-                </a:tc>
-                <a:tc>
-                  <a:txBody>
-                    <a:bodyPr/>
-                    <a:lstStyle/>
-                    <a:p>
-                      <a:endParaRPr lang="en-US" dirty="0"/>
-                    </a:p>
-                  </a:txBody>
-                  <a:tcPr/>
-                </a:tc>
-              </a:tr>
-              <a:tr h="370840">
-                <a:tc>
-                  <a:txBody>
-                    <a:bodyPr/>
-                    <a:lstStyle/>
-                    <a:p>
-                      <a:endParaRPr lang="en-US" dirty="0"/>
-                    </a:p>
-                  </a:txBody>
-                  <a:tcPr/>
-                </a:tc>
-                <a:tc>
-                  <a:txBody>
-                    <a:bodyPr/>
-                    <a:lstStyle/>
-                    <a:p>
-                      <a:endParaRPr lang="en-US" dirty="0"/>
-                    </a:p>
-                  </a:txBody>
-                  <a:tcPr/>
-                </a:tc>
-              </a:tr>
-              <a:tr h="370840">
-                <a:tc>
-                  <a:txBody>
-                    <a:bodyPr/>
-                    <a:lstStyle/>
-                    <a:p>
-                      <a:endParaRPr lang="en-US" dirty="0"/>
-                    </a:p>
-                  </a:txBody>
-                  <a:tcPr/>
-                </a:tc>
-                <a:tc>
-                  <a:txBody>
-                    <a:bodyPr/>
-                    <a:lstStyle/>
-                    <a:p>
-                      <a:endParaRPr lang="en-US" dirty="0"/>
-                    </a:p>
-                  </a:txBody>
-                  <a:tcPr/>
-                </a:tc>
-              </a:tr>
-            </a:tbl>
-          </a:graphicData>
-        </a:graphic>
-      </p:graphicFrame>
-    </p:spTree>
-    <p:extLst>
-      <p:ext uri="{BB962C8B-B14F-4D97-AF65-F5344CB8AC3E}">
-        <p14:creationId xmlns:p14="http://schemas.microsoft.com/office/powerpoint/2010/main" val="362743827"/>
-      </p:ext>
-    </p:extLst>
-  </p:cSld>
-  <p:clrMapOvr>
-    <a:masterClrMapping/>
-  </p:clrMapOvr>
-  <mc:AlternateContent xmlns:mc="http://schemas.openxmlformats.org/markup-compatibility/2006">
-    <mc:Choice xmlns:p14="http://schemas.microsoft.com/office/powerpoint/2010/main" Requires="p14">
-      <p:transition spd="slow" p14:dur="2000"/>
-    </mc:Choice>
-    <mc:Fallback>
-      <p:transition spd="slow"/>
-    </mc:Fallback>
-  </mc:AlternateContent>
-  <p:timing>
-    <p:tnLst>
-      <p:par>
-        <p:cTn id="1" dur="indefinite" restart="never" nodeType="tmRoot"/>
-      </p:par>
-    </p:tnLst>
-  </p:timing>
-</p:sld>
-</file>
-
-<file path=ppt/slides/slide29.xml><?xml version="1.0" encoding="utf-8"?>
 <p:sld xmlns:a="http://schemas.openxmlformats.org/drawingml/2006/main" xmlns:r="http://schemas.openxmlformats.org/officeDocument/2006/relationships" xmlns:p="http://schemas.openxmlformats.org/presentationml/2006/main">
   <p:cSld>
     <p:spTree>
@@ -16231,6 +15880,208 @@
     <p:extLst>
       <p:ext uri="{BB962C8B-B14F-4D97-AF65-F5344CB8AC3E}">
         <p14:creationId xmlns:p14="http://schemas.microsoft.com/office/powerpoint/2010/main" val="1492495610"/>
+      </p:ext>
+    </p:extLst>
+  </p:cSld>
+  <p:clrMapOvr>
+    <a:masterClrMapping/>
+  </p:clrMapOvr>
+  <p:timing>
+    <p:tnLst>
+      <p:par>
+        <p:cTn id="1" dur="indefinite" restart="never" nodeType="tmRoot"/>
+      </p:par>
+    </p:tnLst>
+  </p:timing>
+</p:sld>
+</file>
+
+<file path=ppt/slides/slide29.xml><?xml version="1.0" encoding="utf-8"?>
+<p:sld xmlns:a="http://schemas.openxmlformats.org/drawingml/2006/main" xmlns:r="http://schemas.openxmlformats.org/officeDocument/2006/relationships" xmlns:p="http://schemas.openxmlformats.org/presentationml/2006/main">
+  <p:cSld>
+    <p:spTree>
+      <p:nvGrpSpPr>
+        <p:cNvPr id="1" name=""/>
+        <p:cNvGrpSpPr/>
+        <p:nvPr/>
+      </p:nvGrpSpPr>
+      <p:grpSpPr>
+        <a:xfrm>
+          <a:off x="0" y="0"/>
+          <a:ext cx="0" cy="0"/>
+          <a:chOff x="0" y="0"/>
+          <a:chExt cx="0" cy="0"/>
+        </a:xfrm>
+      </p:grpSpPr>
+      <p:sp>
+        <p:nvSpPr>
+          <p:cNvPr id="2" name="Title 1"/>
+          <p:cNvSpPr>
+            <a:spLocks noGrp="1"/>
+          </p:cNvSpPr>
+          <p:nvPr>
+            <p:ph type="title"/>
+          </p:nvPr>
+        </p:nvSpPr>
+        <p:spPr/>
+        <p:txBody>
+          <a:bodyPr/>
+          <a:lstStyle/>
+          <a:p>
+            <a:r>
+              <a:rPr lang="en-US" dirty="0" smtClean="0"/>
+              <a:t>References</a:t>
+            </a:r>
+            <a:endParaRPr lang="en-US" dirty="0"/>
+          </a:p>
+        </p:txBody>
+      </p:sp>
+      <p:sp>
+        <p:nvSpPr>
+          <p:cNvPr id="3" name="Content Placeholder 2"/>
+          <p:cNvSpPr>
+            <a:spLocks noGrp="1"/>
+          </p:cNvSpPr>
+          <p:nvPr>
+            <p:ph idx="1"/>
+          </p:nvPr>
+        </p:nvSpPr>
+        <p:spPr/>
+        <p:txBody>
+          <a:bodyPr/>
+          <a:lstStyle/>
+          <a:p>
+            <a:pPr marL="0" lvl="0" indent="0">
+              <a:lnSpc>
+                <a:spcPct val="100000"/>
+              </a:lnSpc>
+              <a:spcBef>
+                <a:spcPts val="0"/>
+              </a:spcBef>
+              <a:spcAft>
+                <a:spcPts val="0"/>
+              </a:spcAft>
+              <a:buClrTx/>
+              <a:buSzTx/>
+              <a:buNone/>
+              <a:defRPr/>
+            </a:pPr>
+            <a:r>
+              <a:rPr lang="en-US" dirty="0">
+                <a:hlinkClick r:id="rId2"/>
+              </a:rPr>
+              <a:t>https://en.wikipedia.org/wiki/Row_(database</a:t>
+            </a:r>
+            <a:r>
+              <a:rPr lang="en-US" dirty="0" smtClean="0">
+                <a:hlinkClick r:id="rId2"/>
+              </a:rPr>
+              <a:t>)</a:t>
+            </a:r>
+            <a:endParaRPr lang="en-US" dirty="0" smtClean="0"/>
+          </a:p>
+          <a:p>
+            <a:pPr marL="0" lvl="0" indent="0">
+              <a:lnSpc>
+                <a:spcPct val="100000"/>
+              </a:lnSpc>
+              <a:spcBef>
+                <a:spcPts val="0"/>
+              </a:spcBef>
+              <a:spcAft>
+                <a:spcPts val="0"/>
+              </a:spcAft>
+              <a:buClrTx/>
+              <a:buSzTx/>
+              <a:buNone/>
+              <a:defRPr/>
+            </a:pPr>
+            <a:r>
+              <a:rPr lang="en-US" dirty="0">
+                <a:hlinkClick r:id="rId3"/>
+              </a:rPr>
+              <a:t>https://</a:t>
+            </a:r>
+            <a:r>
+              <a:rPr lang="en-US" dirty="0" smtClean="0">
+                <a:hlinkClick r:id="rId3"/>
+              </a:rPr>
+              <a:t>en.wikipedia.org/wiki/Relational_database</a:t>
+            </a:r>
+            <a:endParaRPr lang="en-US" dirty="0" smtClean="0"/>
+          </a:p>
+          <a:p>
+            <a:pPr marL="0" lvl="0" indent="0">
+              <a:lnSpc>
+                <a:spcPct val="100000"/>
+              </a:lnSpc>
+              <a:spcBef>
+                <a:spcPts val="0"/>
+              </a:spcBef>
+              <a:spcAft>
+                <a:spcPts val="0"/>
+              </a:spcAft>
+              <a:buClrTx/>
+              <a:buSzTx/>
+              <a:buNone/>
+              <a:defRPr/>
+            </a:pPr>
+            <a:r>
+              <a:rPr lang="en-US" dirty="0">
+                <a:hlinkClick r:id="rId4"/>
+              </a:rPr>
+              <a:t>http://</a:t>
+            </a:r>
+            <a:r>
+              <a:rPr lang="en-US" dirty="0" smtClean="0">
+                <a:hlinkClick r:id="rId4"/>
+              </a:rPr>
+              <a:t>www.w3schools.com/sql/default.asp</a:t>
+            </a:r>
+            <a:endParaRPr lang="en-US" dirty="0" smtClean="0"/>
+          </a:p>
+          <a:p>
+            <a:pPr marL="0" lvl="0" indent="0">
+              <a:lnSpc>
+                <a:spcPct val="100000"/>
+              </a:lnSpc>
+              <a:spcBef>
+                <a:spcPts val="0"/>
+              </a:spcBef>
+              <a:spcAft>
+                <a:spcPts val="0"/>
+              </a:spcAft>
+              <a:buClrTx/>
+              <a:buSzTx/>
+              <a:buNone/>
+              <a:defRPr/>
+            </a:pPr>
+            <a:endParaRPr lang="en-US" dirty="0"/>
+          </a:p>
+          <a:p>
+            <a:pPr marL="0" lvl="0" indent="0">
+              <a:lnSpc>
+                <a:spcPct val="100000"/>
+              </a:lnSpc>
+              <a:spcBef>
+                <a:spcPts val="0"/>
+              </a:spcBef>
+              <a:spcAft>
+                <a:spcPts val="0"/>
+              </a:spcAft>
+              <a:buClrTx/>
+              <a:buSzTx/>
+              <a:buNone/>
+              <a:defRPr/>
+            </a:pPr>
+            <a:endParaRPr lang="en-US" dirty="0"/>
+          </a:p>
+        </p:txBody>
+      </p:sp>
+    </p:spTree>
+    <p:extLst>
+      <p:ext uri="{BB962C8B-B14F-4D97-AF65-F5344CB8AC3E}">
+        <p14:creationId xmlns:p14="http://schemas.microsoft.com/office/powerpoint/2010/main" val="1765176706"/>
       </p:ext>
     </p:extLst>
   </p:cSld>
@@ -16461,208 +16312,6 @@
     <p:extLst>
       <p:ext uri="{BB962C8B-B14F-4D97-AF65-F5344CB8AC3E}">
         <p14:creationId xmlns:p14="http://schemas.microsoft.com/office/powerpoint/2010/main" val="1974090624"/>
-      </p:ext>
-    </p:extLst>
-  </p:cSld>
-  <p:clrMapOvr>
-    <a:masterClrMapping/>
-  </p:clrMapOvr>
-  <p:timing>
-    <p:tnLst>
-      <p:par>
-        <p:cTn id="1" dur="indefinite" restart="never" nodeType="tmRoot"/>
-      </p:par>
-    </p:tnLst>
-  </p:timing>
-</p:sld>
-</file>
-
-<file path=ppt/slides/slide30.xml><?xml version="1.0" encoding="utf-8"?>
-<p:sld xmlns:a="http://schemas.openxmlformats.org/drawingml/2006/main" xmlns:r="http://schemas.openxmlformats.org/officeDocument/2006/relationships" xmlns:p="http://schemas.openxmlformats.org/presentationml/2006/main">
-  <p:cSld>
-    <p:spTree>
-      <p:nvGrpSpPr>
-        <p:cNvPr id="1" name=""/>
-        <p:cNvGrpSpPr/>
-        <p:nvPr/>
-      </p:nvGrpSpPr>
-      <p:grpSpPr>
-        <a:xfrm>
-          <a:off x="0" y="0"/>
-          <a:ext cx="0" cy="0"/>
-          <a:chOff x="0" y="0"/>
-          <a:chExt cx="0" cy="0"/>
-        </a:xfrm>
-      </p:grpSpPr>
-      <p:sp>
-        <p:nvSpPr>
-          <p:cNvPr id="2" name="Title 1"/>
-          <p:cNvSpPr>
-            <a:spLocks noGrp="1"/>
-          </p:cNvSpPr>
-          <p:nvPr>
-            <p:ph type="title"/>
-          </p:nvPr>
-        </p:nvSpPr>
-        <p:spPr/>
-        <p:txBody>
-          <a:bodyPr/>
-          <a:lstStyle/>
-          <a:p>
-            <a:r>
-              <a:rPr lang="en-US" dirty="0" smtClean="0"/>
-              <a:t>References</a:t>
-            </a:r>
-            <a:endParaRPr lang="en-US" dirty="0"/>
-          </a:p>
-        </p:txBody>
-      </p:sp>
-      <p:sp>
-        <p:nvSpPr>
-          <p:cNvPr id="3" name="Content Placeholder 2"/>
-          <p:cNvSpPr>
-            <a:spLocks noGrp="1"/>
-          </p:cNvSpPr>
-          <p:nvPr>
-            <p:ph idx="1"/>
-          </p:nvPr>
-        </p:nvSpPr>
-        <p:spPr/>
-        <p:txBody>
-          <a:bodyPr/>
-          <a:lstStyle/>
-          <a:p>
-            <a:pPr marL="0" lvl="0" indent="0">
-              <a:lnSpc>
-                <a:spcPct val="100000"/>
-              </a:lnSpc>
-              <a:spcBef>
-                <a:spcPts val="0"/>
-              </a:spcBef>
-              <a:spcAft>
-                <a:spcPts val="0"/>
-              </a:spcAft>
-              <a:buClrTx/>
-              <a:buSzTx/>
-              <a:buNone/>
-              <a:defRPr/>
-            </a:pPr>
-            <a:r>
-              <a:rPr lang="en-US" dirty="0">
-                <a:hlinkClick r:id="rId2"/>
-              </a:rPr>
-              <a:t>https://en.wikipedia.org/wiki/Row_(database</a:t>
-            </a:r>
-            <a:r>
-              <a:rPr lang="en-US" dirty="0" smtClean="0">
-                <a:hlinkClick r:id="rId2"/>
-              </a:rPr>
-              <a:t>)</a:t>
-            </a:r>
-            <a:endParaRPr lang="en-US" dirty="0" smtClean="0"/>
-          </a:p>
-          <a:p>
-            <a:pPr marL="0" lvl="0" indent="0">
-              <a:lnSpc>
-                <a:spcPct val="100000"/>
-              </a:lnSpc>
-              <a:spcBef>
-                <a:spcPts val="0"/>
-              </a:spcBef>
-              <a:spcAft>
-                <a:spcPts val="0"/>
-              </a:spcAft>
-              <a:buClrTx/>
-              <a:buSzTx/>
-              <a:buNone/>
-              <a:defRPr/>
-            </a:pPr>
-            <a:r>
-              <a:rPr lang="en-US" dirty="0">
-                <a:hlinkClick r:id="rId3"/>
-              </a:rPr>
-              <a:t>https://</a:t>
-            </a:r>
-            <a:r>
-              <a:rPr lang="en-US" dirty="0" smtClean="0">
-                <a:hlinkClick r:id="rId3"/>
-              </a:rPr>
-              <a:t>en.wikipedia.org/wiki/Relational_database</a:t>
-            </a:r>
-            <a:endParaRPr lang="en-US" dirty="0" smtClean="0"/>
-          </a:p>
-          <a:p>
-            <a:pPr marL="0" lvl="0" indent="0">
-              <a:lnSpc>
-                <a:spcPct val="100000"/>
-              </a:lnSpc>
-              <a:spcBef>
-                <a:spcPts val="0"/>
-              </a:spcBef>
-              <a:spcAft>
-                <a:spcPts val="0"/>
-              </a:spcAft>
-              <a:buClrTx/>
-              <a:buSzTx/>
-              <a:buNone/>
-              <a:defRPr/>
-            </a:pPr>
-            <a:r>
-              <a:rPr lang="en-US" dirty="0">
-                <a:hlinkClick r:id="rId4"/>
-              </a:rPr>
-              <a:t>http://</a:t>
-            </a:r>
-            <a:r>
-              <a:rPr lang="en-US" dirty="0" smtClean="0">
-                <a:hlinkClick r:id="rId4"/>
-              </a:rPr>
-              <a:t>www.w3schools.com/sql/default.asp</a:t>
-            </a:r>
-            <a:endParaRPr lang="en-US" dirty="0" smtClean="0"/>
-          </a:p>
-          <a:p>
-            <a:pPr marL="0" lvl="0" indent="0">
-              <a:lnSpc>
-                <a:spcPct val="100000"/>
-              </a:lnSpc>
-              <a:spcBef>
-                <a:spcPts val="0"/>
-              </a:spcBef>
-              <a:spcAft>
-                <a:spcPts val="0"/>
-              </a:spcAft>
-              <a:buClrTx/>
-              <a:buSzTx/>
-              <a:buNone/>
-              <a:defRPr/>
-            </a:pPr>
-            <a:endParaRPr lang="en-US" dirty="0"/>
-          </a:p>
-          <a:p>
-            <a:pPr marL="0" lvl="0" indent="0">
-              <a:lnSpc>
-                <a:spcPct val="100000"/>
-              </a:lnSpc>
-              <a:spcBef>
-                <a:spcPts val="0"/>
-              </a:spcBef>
-              <a:spcAft>
-                <a:spcPts val="0"/>
-              </a:spcAft>
-              <a:buClrTx/>
-              <a:buSzTx/>
-              <a:buNone/>
-              <a:defRPr/>
-            </a:pPr>
-            <a:endParaRPr lang="en-US" dirty="0"/>
-          </a:p>
-        </p:txBody>
-      </p:sp>
-    </p:spTree>
-    <p:extLst>
-      <p:ext uri="{BB962C8B-B14F-4D97-AF65-F5344CB8AC3E}">
-        <p14:creationId xmlns:p14="http://schemas.microsoft.com/office/powerpoint/2010/main" val="1765176706"/>
       </p:ext>
     </p:extLst>
   </p:cSld>
